--- a/9 😃 Talkers/90 ☁️ Hosters/.📎 Assets/☁️.pptx
+++ b/9 😃 Talkers/90 ☁️ Hosters/.📎 Assets/☁️.pptx
@@ -5,38 +5,39 @@
     <p:sldMasterId id="2147483648" r:id="rId1"/>
   </p:sldMasterIdLst>
   <p:notesMasterIdLst>
-    <p:notesMasterId r:id="rId4"/>
+    <p:notesMasterId r:id="rId5"/>
   </p:notesMasterIdLst>
   <p:handoutMasterIdLst>
-    <p:handoutMasterId r:id="rId5"/>
+    <p:handoutMasterId r:id="rId6"/>
   </p:handoutMasterIdLst>
   <p:sldIdLst>
     <p:sldId id="1834" r:id="rId2"/>
     <p:sldId id="1835" r:id="rId3"/>
+    <p:sldId id="1836" r:id="rId4"/>
   </p:sldIdLst>
   <p:sldSz cx="12192000" cy="6858000"/>
   <p:notesSz cx="6858000" cy="9144000"/>
   <p:embeddedFontLst>
     <p:embeddedFont>
       <p:font typeface="Amazon Ember" panose="020B0603020204020204" pitchFamily="34" charset="0"/>
-      <p:regular r:id="rId6"/>
-      <p:bold r:id="rId7"/>
-      <p:italic r:id="rId8"/>
-      <p:boldItalic r:id="rId9"/>
+      <p:regular r:id="rId7"/>
+      <p:bold r:id="rId8"/>
+      <p:italic r:id="rId9"/>
+      <p:boldItalic r:id="rId10"/>
     </p:embeddedFont>
     <p:embeddedFont>
       <p:font typeface="Amazon Ember Display" panose="020F0603020204020204" pitchFamily="34" charset="0"/>
-      <p:regular r:id="rId10"/>
-      <p:bold r:id="rId11"/>
-      <p:italic r:id="rId12"/>
-      <p:boldItalic r:id="rId13"/>
+      <p:regular r:id="rId11"/>
+      <p:bold r:id="rId12"/>
+      <p:italic r:id="rId13"/>
+      <p:boldItalic r:id="rId14"/>
     </p:embeddedFont>
     <p:embeddedFont>
       <p:font typeface="Segoe UI" panose="020B0502040204020203" pitchFamily="34" charset="0"/>
-      <p:regular r:id="rId14"/>
-      <p:bold r:id="rId15"/>
-      <p:italic r:id="rId16"/>
-      <p:boldItalic r:id="rId17"/>
+      <p:regular r:id="rId15"/>
+      <p:bold r:id="rId16"/>
+      <p:italic r:id="rId17"/>
+      <p:boldItalic r:id="rId18"/>
     </p:embeddedFont>
   </p:embeddedFontLst>
   <p:defaultTextStyle>
@@ -141,6 +142,7 @@
           <p14:sldIdLst>
             <p14:sldId id="1834"/>
             <p14:sldId id="1835"/>
+            <p14:sldId id="1836"/>
           </p14:sldIdLst>
         </p14:section>
       </p14:sectionLst>
@@ -720,7 +722,7 @@
           <a:p>
             <a:fld id="{542F96DF-134D-4F6A-BFA6-E032E504EEEB}" type="datetime8">
               <a:rPr lang="en-US" smtClean="0"/>
-              <a:t>10/13/25 8:18 PM</a:t>
+              <a:t>10/13/25 8:21 PM</a:t>
             </a:fld>
             <a:endParaRPr lang="en-US"/>
           </a:p>
@@ -760,6 +762,220 @@
     <p:extLst>
       <p:ext uri="{BB962C8B-B14F-4D97-AF65-F5344CB8AC3E}">
         <p14:creationId xmlns:p14="http://schemas.microsoft.com/office/powerpoint/2010/main" val="3928046597"/>
+      </p:ext>
+    </p:extLst>
+  </p:cSld>
+  <p:clrMapOvr>
+    <a:masterClrMapping/>
+  </p:clrMapOvr>
+</p:notes>
+</file>
+
+<file path=ppt/notesSlides/notesSlide2.xml><?xml version="1.0" encoding="utf-8"?>
+<p:notes xmlns:a="http://schemas.openxmlformats.org/drawingml/2006/main" xmlns:r="http://schemas.openxmlformats.org/officeDocument/2006/relationships" xmlns:p="http://schemas.openxmlformats.org/presentationml/2006/main">
+  <p:cSld>
+    <p:spTree>
+      <p:nvGrpSpPr>
+        <p:cNvPr id="1" name="">
+          <a:extLst>
+            <a:ext uri="{FF2B5EF4-FFF2-40B4-BE49-F238E27FC236}">
+              <a16:creationId xmlns:a16="http://schemas.microsoft.com/office/drawing/2014/main" id="{65C60D96-BC74-25CF-9F48-D38A39A3973B}"/>
+            </a:ext>
+          </a:extLst>
+        </p:cNvPr>
+        <p:cNvGrpSpPr/>
+        <p:nvPr/>
+      </p:nvGrpSpPr>
+      <p:grpSpPr>
+        <a:xfrm>
+          <a:off x="0" y="0"/>
+          <a:ext cx="0" cy="0"/>
+          <a:chOff x="0" y="0"/>
+          <a:chExt cx="0" cy="0"/>
+        </a:xfrm>
+      </p:grpSpPr>
+      <p:sp>
+        <p:nvSpPr>
+          <p:cNvPr id="2" name="Slide Image Placeholder 1">
+            <a:extLst>
+              <a:ext uri="{FF2B5EF4-FFF2-40B4-BE49-F238E27FC236}">
+                <a16:creationId xmlns:a16="http://schemas.microsoft.com/office/drawing/2014/main" id="{6BB4DCC8-89F8-7DB3-FDBA-8B34440407A3}"/>
+              </a:ext>
+            </a:extLst>
+          </p:cNvPr>
+          <p:cNvSpPr>
+            <a:spLocks noGrp="1" noRot="1" noChangeAspect="1"/>
+          </p:cNvSpPr>
+          <p:nvPr>
+            <p:ph type="sldImg"/>
+          </p:nvPr>
+        </p:nvSpPr>
+        <p:spPr>
+          <a:xfrm>
+            <a:off x="438150" y="457200"/>
+            <a:ext cx="5981700" cy="3363913"/>
+          </a:xfrm>
+        </p:spPr>
+        <p:txBody>
+          <a:bodyPr/>
+          <a:lstStyle/>
+          <a:p>
+            <a:endParaRPr lang="en-PT"/>
+          </a:p>
+        </p:txBody>
+      </p:sp>
+      <p:sp>
+        <p:nvSpPr>
+          <p:cNvPr id="3" name="Notes Placeholder 2">
+            <a:extLst>
+              <a:ext uri="{FF2B5EF4-FFF2-40B4-BE49-F238E27FC236}">
+                <a16:creationId xmlns:a16="http://schemas.microsoft.com/office/drawing/2014/main" id="{0211E1E2-FE88-A34E-B58E-DFDAC817BE3D}"/>
+              </a:ext>
+            </a:extLst>
+          </p:cNvPr>
+          <p:cNvSpPr>
+            <a:spLocks noGrp="1"/>
+          </p:cNvSpPr>
+          <p:nvPr>
+            <p:ph type="body" idx="1"/>
+          </p:nvPr>
+        </p:nvSpPr>
+        <p:spPr/>
+        <p:txBody>
+          <a:bodyPr/>
+          <a:lstStyle/>
+          <a:p>
+            <a:endParaRPr lang="en-US"/>
+          </a:p>
+        </p:txBody>
+      </p:sp>
+      <p:sp>
+        <p:nvSpPr>
+          <p:cNvPr id="4" name="Header Placeholder 3">
+            <a:extLst>
+              <a:ext uri="{FF2B5EF4-FFF2-40B4-BE49-F238E27FC236}">
+                <a16:creationId xmlns:a16="http://schemas.microsoft.com/office/drawing/2014/main" id="{D2250262-0A5C-2CAE-0E06-D743C4F0D5F3}"/>
+              </a:ext>
+            </a:extLst>
+          </p:cNvPr>
+          <p:cNvSpPr>
+            <a:spLocks noGrp="1"/>
+          </p:cNvSpPr>
+          <p:nvPr>
+            <p:ph type="hdr" sz="quarter" idx="10"/>
+          </p:nvPr>
+        </p:nvSpPr>
+        <p:spPr/>
+        <p:txBody>
+          <a:bodyPr/>
+          <a:lstStyle/>
+          <a:p>
+            <a:endParaRPr lang="en-US"/>
+          </a:p>
+        </p:txBody>
+      </p:sp>
+      <p:sp>
+        <p:nvSpPr>
+          <p:cNvPr id="5" name="Footer Placeholder 4">
+            <a:extLst>
+              <a:ext uri="{FF2B5EF4-FFF2-40B4-BE49-F238E27FC236}">
+                <a16:creationId xmlns:a16="http://schemas.microsoft.com/office/drawing/2014/main" id="{1B65C7C1-6189-D35A-556B-2AC975E0C2CD}"/>
+              </a:ext>
+            </a:extLst>
+          </p:cNvPr>
+          <p:cNvSpPr>
+            <a:spLocks noGrp="1"/>
+          </p:cNvSpPr>
+          <p:nvPr>
+            <p:ph type="ftr" sz="quarter" idx="11"/>
+          </p:nvPr>
+        </p:nvSpPr>
+        <p:spPr/>
+        <p:txBody>
+          <a:bodyPr/>
+          <a:lstStyle/>
+          <a:p>
+            <a:pPr defTabSz="914099" eaLnBrk="0" hangingPunct="0"/>
+            <a:endParaRPr lang="en-US" sz="400">
+              <a:gradFill>
+                <a:gsLst>
+                  <a:gs pos="0">
+                    <a:prstClr val="black"/>
+                  </a:gs>
+                  <a:gs pos="100000">
+                    <a:prstClr val="black"/>
+                  </a:gs>
+                </a:gsLst>
+                <a:lin ang="5400000" scaled="0"/>
+              </a:gradFill>
+              <a:ea typeface="Segoe UI" pitchFamily="34" charset="0"/>
+            </a:endParaRPr>
+          </a:p>
+        </p:txBody>
+      </p:sp>
+      <p:sp>
+        <p:nvSpPr>
+          <p:cNvPr id="6" name="Date Placeholder 5">
+            <a:extLst>
+              <a:ext uri="{FF2B5EF4-FFF2-40B4-BE49-F238E27FC236}">
+                <a16:creationId xmlns:a16="http://schemas.microsoft.com/office/drawing/2014/main" id="{1DABC4E2-210B-178C-CEA7-772A48F706E3}"/>
+              </a:ext>
+            </a:extLst>
+          </p:cNvPr>
+          <p:cNvSpPr>
+            <a:spLocks noGrp="1"/>
+          </p:cNvSpPr>
+          <p:nvPr>
+            <p:ph type="dt" idx="12"/>
+          </p:nvPr>
+        </p:nvSpPr>
+        <p:spPr/>
+        <p:txBody>
+          <a:bodyPr/>
+          <a:lstStyle/>
+          <a:p>
+            <a:fld id="{542F96DF-134D-4F6A-BFA6-E032E504EEEB}" type="datetime8">
+              <a:rPr lang="en-US" smtClean="0"/>
+              <a:t>10/13/25 10:13 PM</a:t>
+            </a:fld>
+            <a:endParaRPr lang="en-US"/>
+          </a:p>
+        </p:txBody>
+      </p:sp>
+      <p:sp>
+        <p:nvSpPr>
+          <p:cNvPr id="7" name="Slide Number Placeholder 6">
+            <a:extLst>
+              <a:ext uri="{FF2B5EF4-FFF2-40B4-BE49-F238E27FC236}">
+                <a16:creationId xmlns:a16="http://schemas.microsoft.com/office/drawing/2014/main" id="{BE5580A3-94E5-C57C-C94A-397F29E93032}"/>
+              </a:ext>
+            </a:extLst>
+          </p:cNvPr>
+          <p:cNvSpPr>
+            <a:spLocks noGrp="1"/>
+          </p:cNvSpPr>
+          <p:nvPr>
+            <p:ph type="sldNum" sz="quarter" idx="13"/>
+          </p:nvPr>
+        </p:nvSpPr>
+        <p:spPr/>
+        <p:txBody>
+          <a:bodyPr/>
+          <a:lstStyle/>
+          <a:p>
+            <a:fld id="{B4008EB6-D09E-4580-8CD6-DDB14511944F}" type="slidenum">
+              <a:rPr lang="en-US" smtClean="0"/>
+              <a:pPr/>
+              <a:t>3</a:t>
+            </a:fld>
+            <a:endParaRPr lang="en-US"/>
+          </a:p>
+        </p:txBody>
+      </p:sp>
+    </p:spTree>
+    <p:extLst>
+      <p:ext uri="{BB962C8B-B14F-4D97-AF65-F5344CB8AC3E}">
+        <p14:creationId xmlns:p14="http://schemas.microsoft.com/office/powerpoint/2010/main" val="2604895764"/>
       </p:ext>
     </p:extLst>
   </p:cSld>
@@ -1369,8 +1585,8 @@
         </p:nvSpPr>
         <p:spPr>
           <a:xfrm>
-            <a:off x="8448261" y="734959"/>
-            <a:ext cx="3046126" cy="1938667"/>
+            <a:off x="8423547" y="877329"/>
+            <a:ext cx="3500723" cy="1783940"/>
           </a:xfrm>
           <a:prstGeom prst="rect">
             <a:avLst/>
@@ -1510,8 +1726,8 @@
         </p:nvSpPr>
         <p:spPr>
           <a:xfrm>
-            <a:off x="5314538" y="734959"/>
-            <a:ext cx="2239200" cy="1938667"/>
+            <a:off x="5314538" y="889686"/>
+            <a:ext cx="2239200" cy="1783940"/>
           </a:xfrm>
           <a:prstGeom prst="rect">
             <a:avLst/>
@@ -1604,7 +1820,7 @@
         </p:nvSpPr>
         <p:spPr>
           <a:xfrm>
-            <a:off x="5396743" y="1351185"/>
+            <a:off x="5396743" y="1375899"/>
             <a:ext cx="2067543" cy="562183"/>
           </a:xfrm>
           <a:prstGeom prst="rect">
@@ -1687,8 +1903,8 @@
         </p:nvSpPr>
         <p:spPr>
           <a:xfrm>
-            <a:off x="8509235" y="1351185"/>
-            <a:ext cx="2067543" cy="562183"/>
+            <a:off x="8509235" y="1375899"/>
+            <a:ext cx="2645835" cy="562183"/>
           </a:xfrm>
           <a:prstGeom prst="rect">
             <a:avLst/>
@@ -1774,7 +1990,7 @@
         </p:nvCxnSpPr>
         <p:spPr>
           <a:xfrm flipH="1">
-            <a:off x="7464286" y="1632277"/>
+            <a:off x="7464286" y="1656991"/>
             <a:ext cx="1044949" cy="0"/>
           </a:xfrm>
           <a:prstGeom prst="straightConnector1">
@@ -1899,8 +2115,8 @@
         </p:nvSpPr>
         <p:spPr>
           <a:xfrm>
-            <a:off x="8509235" y="2034034"/>
-            <a:ext cx="2067543" cy="562183"/>
+            <a:off x="8509236" y="2034034"/>
+            <a:ext cx="1277070" cy="562183"/>
           </a:xfrm>
           <a:prstGeom prst="rect">
             <a:avLst/>
@@ -1998,8 +2214,8 @@
         </p:nvSpPr>
         <p:spPr>
           <a:xfrm>
-            <a:off x="7026966" y="4064355"/>
-            <a:ext cx="2067543" cy="562183"/>
+            <a:off x="7026966" y="3965499"/>
+            <a:ext cx="1482269" cy="562183"/>
           </a:xfrm>
           <a:prstGeom prst="rect">
             <a:avLst/>
@@ -2085,8 +2301,8 @@
         </p:nvCxnSpPr>
         <p:spPr>
           <a:xfrm rot="16200000" flipH="1">
-            <a:off x="5857311" y="3175792"/>
-            <a:ext cx="1745740" cy="593570"/>
+            <a:off x="5906739" y="3126364"/>
+            <a:ext cx="1646884" cy="593570"/>
           </a:xfrm>
           <a:prstGeom prst="bentConnector2">
             <a:avLst/>
@@ -2131,8 +2347,8 @@
         </p:nvCxnSpPr>
         <p:spPr>
           <a:xfrm flipV="1">
-            <a:off x="9094509" y="2596217"/>
-            <a:ext cx="448498" cy="1749230"/>
+            <a:off x="8509235" y="2596217"/>
+            <a:ext cx="638536" cy="1650374"/>
           </a:xfrm>
           <a:prstGeom prst="bentConnector2">
             <a:avLst/>
@@ -2178,7 +2394,7 @@
         <p:spPr>
           <a:xfrm flipH="1">
             <a:off x="7467167" y="2315126"/>
-            <a:ext cx="1042068" cy="3490"/>
+            <a:ext cx="1042069" cy="3490"/>
           </a:xfrm>
           <a:prstGeom prst="straightConnector1">
             <a:avLst/>
@@ -2219,10 +2435,10 @@
         </p:nvGrpSpPr>
         <p:grpSpPr>
           <a:xfrm>
-            <a:off x="600599" y="734959"/>
-            <a:ext cx="3418797" cy="1014729"/>
-            <a:chOff x="6139542" y="968452"/>
-            <a:chExt cx="3418797" cy="1014729"/>
+            <a:off x="697614" y="734959"/>
+            <a:ext cx="3256158" cy="1014729"/>
+            <a:chOff x="6236557" y="968452"/>
+            <a:chExt cx="3256158" cy="1014729"/>
           </a:xfrm>
         </p:grpSpPr>
         <p:sp>
@@ -2239,8 +2455,8 @@
           </p:nvSpPr>
           <p:spPr>
             <a:xfrm>
-              <a:off x="6236556" y="1351846"/>
-              <a:ext cx="3256159" cy="562183"/>
+              <a:off x="6298923" y="1351846"/>
+              <a:ext cx="3111956" cy="562183"/>
             </a:xfrm>
             <a:prstGeom prst="rect">
               <a:avLst/>
@@ -2317,8 +2533,8 @@
           </p:nvSpPr>
           <p:spPr>
             <a:xfrm>
-              <a:off x="6139542" y="968452"/>
-              <a:ext cx="3418797" cy="1014729"/>
+              <a:off x="6236557" y="968452"/>
+              <a:ext cx="3256158" cy="1014729"/>
             </a:xfrm>
             <a:prstGeom prst="rect">
               <a:avLst/>
@@ -2859,8 +3075,8 @@
         </p:nvCxnSpPr>
         <p:spPr>
           <a:xfrm>
-            <a:off x="4019396" y="1242324"/>
-            <a:ext cx="1380228" cy="1076292"/>
+            <a:off x="3953772" y="1242324"/>
+            <a:ext cx="1445852" cy="1076292"/>
           </a:xfrm>
           <a:prstGeom prst="bentConnector3">
             <a:avLst>
@@ -2903,8 +3119,448 @@
           <p:nvPr/>
         </p:nvSpPr>
         <p:spPr>
+          <a:xfrm rot="5400000">
+            <a:off x="10935555" y="1701945"/>
+            <a:ext cx="1214272" cy="562183"/>
+          </a:xfrm>
+          <a:prstGeom prst="rect">
+            <a:avLst/>
+          </a:prstGeom>
+          <a:solidFill>
+            <a:schemeClr val="tx1">
+              <a:lumMod val="95000"/>
+            </a:schemeClr>
+          </a:solidFill>
+          <a:ln w="28575">
+            <a:solidFill>
+              <a:schemeClr val="tx1">
+                <a:lumMod val="50000"/>
+              </a:schemeClr>
+            </a:solidFill>
+            <a:prstDash val="solid"/>
+          </a:ln>
+        </p:spPr>
+        <p:style>
+          <a:lnRef idx="2">
+            <a:schemeClr val="accent1">
+              <a:shade val="50000"/>
+            </a:schemeClr>
+          </a:lnRef>
+          <a:fillRef idx="1">
+            <a:schemeClr val="accent1"/>
+          </a:fillRef>
+          <a:effectRef idx="0">
+            <a:schemeClr val="accent1"/>
+          </a:effectRef>
+          <a:fontRef idx="minor">
+            <a:schemeClr val="lt1"/>
+          </a:fontRef>
+        </p:style>
+        <p:txBody>
+          <a:bodyPr lIns="144000" tIns="144000" rIns="36000" bIns="144000" anchor="ctr"/>
+          <a:lstStyle/>
+          <a:p>
+            <a:r>
+              <a:rPr lang="en-GB" sz="3200" baseline="-9000" dirty="0">
+                <a:solidFill>
+                  <a:schemeClr val="bg2">
+                    <a:lumMod val="40000"/>
+                    <a:lumOff val="60000"/>
+                  </a:schemeClr>
+                </a:solidFill>
+                <a:effectLst>
+                  <a:glow>
+                    <a:schemeClr val="bg1"/>
+                  </a:glow>
+                </a:effectLst>
+              </a:rPr>
+              <a:t>📄 </a:t>
+            </a:r>
+            <a:r>
+              <a:rPr lang="en-GB" sz="2400" dirty="0">
+                <a:solidFill>
+                  <a:sysClr val="windowText" lastClr="000000"/>
+                </a:solidFill>
+                <a:latin typeface="+mj-lt"/>
+                <a:cs typeface="Arial" panose="020B0604020202020204" pitchFamily="34" charset="0"/>
+              </a:rPr>
+              <a:t>Files</a:t>
+            </a:r>
+          </a:p>
+        </p:txBody>
+      </p:sp>
+      <p:sp>
+        <p:nvSpPr>
+          <p:cNvPr id="91" name="Rectangle 90">
+            <a:extLst>
+              <a:ext uri="{FF2B5EF4-FFF2-40B4-BE49-F238E27FC236}">
+                <a16:creationId xmlns:a16="http://schemas.microsoft.com/office/drawing/2014/main" id="{507F39C8-226B-374F-DA09-4D5F86C1043B}"/>
+              </a:ext>
+            </a:extLst>
+          </p:cNvPr>
+          <p:cNvSpPr/>
+          <p:nvPr/>
+        </p:nvSpPr>
+        <p:spPr>
           <a:xfrm>
-            <a:off x="8661635" y="1503585"/>
+            <a:off x="9878000" y="2034034"/>
+            <a:ext cx="1277070" cy="562183"/>
+          </a:xfrm>
+          <a:prstGeom prst="rect">
+            <a:avLst/>
+          </a:prstGeom>
+          <a:solidFill>
+            <a:schemeClr val="tx1">
+              <a:lumMod val="95000"/>
+            </a:schemeClr>
+          </a:solidFill>
+          <a:ln w="28575">
+            <a:solidFill>
+              <a:schemeClr val="tx1">
+                <a:lumMod val="50000"/>
+              </a:schemeClr>
+            </a:solidFill>
+            <a:prstDash val="solid"/>
+          </a:ln>
+        </p:spPr>
+        <p:style>
+          <a:lnRef idx="2">
+            <a:schemeClr val="accent1">
+              <a:shade val="50000"/>
+            </a:schemeClr>
+          </a:lnRef>
+          <a:fillRef idx="1">
+            <a:schemeClr val="accent1"/>
+          </a:fillRef>
+          <a:effectRef idx="0">
+            <a:schemeClr val="accent1"/>
+          </a:effectRef>
+          <a:fontRef idx="minor">
+            <a:schemeClr val="lt1"/>
+          </a:fontRef>
+        </p:style>
+        <p:txBody>
+          <a:bodyPr lIns="144000" tIns="144000" rIns="36000" bIns="144000" anchor="ctr"/>
+          <a:lstStyle/>
+          <a:p>
+            <a:r>
+              <a:rPr lang="en-GB" sz="3200" baseline="-9000" dirty="0">
+                <a:solidFill>
+                  <a:schemeClr val="bg2">
+                    <a:lumMod val="40000"/>
+                    <a:lumOff val="60000"/>
+                  </a:schemeClr>
+                </a:solidFill>
+                <a:effectLst>
+                  <a:glow>
+                    <a:schemeClr val="bg1"/>
+                  </a:glow>
+                </a:effectLst>
+              </a:rPr>
+              <a:t>🧱 </a:t>
+            </a:r>
+            <a:r>
+              <a:rPr lang="en-GB" sz="2400" dirty="0">
+                <a:solidFill>
+                  <a:sysClr val="windowText" lastClr="000000"/>
+                </a:solidFill>
+                <a:latin typeface="+mj-lt"/>
+                <a:cs typeface="Arial" panose="020B0604020202020204" pitchFamily="34" charset="0"/>
+              </a:rPr>
+              <a:t>SDK</a:t>
+            </a:r>
+          </a:p>
+        </p:txBody>
+      </p:sp>
+    </p:spTree>
+    <p:extLst>
+      <p:ext uri="{BB962C8B-B14F-4D97-AF65-F5344CB8AC3E}">
+        <p14:creationId xmlns:p14="http://schemas.microsoft.com/office/powerpoint/2010/main" val="170749970"/>
+      </p:ext>
+    </p:extLst>
+  </p:cSld>
+  <p:clrMapOvr>
+    <a:masterClrMapping/>
+  </p:clrMapOvr>
+  <p:transition>
+    <p:fade/>
+  </p:transition>
+</p:sld>
+</file>
+
+<file path=ppt/slides/slide3.xml><?xml version="1.0" encoding="utf-8"?>
+<p:sld xmlns:a="http://schemas.openxmlformats.org/drawingml/2006/main" xmlns:r="http://schemas.openxmlformats.org/officeDocument/2006/relationships" xmlns:p="http://schemas.openxmlformats.org/presentationml/2006/main">
+  <p:cSld>
+    <p:spTree>
+      <p:nvGrpSpPr>
+        <p:cNvPr id="1" name="">
+          <a:extLst>
+            <a:ext uri="{FF2B5EF4-FFF2-40B4-BE49-F238E27FC236}">
+              <a16:creationId xmlns:a16="http://schemas.microsoft.com/office/drawing/2014/main" id="{04E52996-564B-DB9C-4795-FC3A4C16CCBF}"/>
+            </a:ext>
+          </a:extLst>
+        </p:cNvPr>
+        <p:cNvGrpSpPr/>
+        <p:nvPr/>
+      </p:nvGrpSpPr>
+      <p:grpSpPr>
+        <a:xfrm>
+          <a:off x="0" y="0"/>
+          <a:ext cx="0" cy="0"/>
+          <a:chOff x="0" y="0"/>
+          <a:chExt cx="0" cy="0"/>
+        </a:xfrm>
+      </p:grpSpPr>
+      <p:sp>
+        <p:nvSpPr>
+          <p:cNvPr id="9" name="Rectangle 8">
+            <a:extLst>
+              <a:ext uri="{FF2B5EF4-FFF2-40B4-BE49-F238E27FC236}">
+                <a16:creationId xmlns:a16="http://schemas.microsoft.com/office/drawing/2014/main" id="{9D0F8810-E39E-693B-499F-71F0EAB0FD4D}"/>
+              </a:ext>
+            </a:extLst>
+          </p:cNvPr>
+          <p:cNvSpPr/>
+          <p:nvPr/>
+        </p:nvSpPr>
+        <p:spPr>
+          <a:xfrm>
+            <a:off x="8423547" y="877329"/>
+            <a:ext cx="3500723" cy="1783940"/>
+          </a:xfrm>
+          <a:prstGeom prst="rect">
+            <a:avLst/>
+          </a:prstGeom>
+          <a:noFill/>
+          <a:ln w="12700">
+            <a:solidFill>
+              <a:srgbClr val="5A6B86"/>
+            </a:solidFill>
+            <a:prstDash val="dash"/>
+          </a:ln>
+        </p:spPr>
+        <p:style>
+          <a:lnRef idx="2">
+            <a:schemeClr val="accent1">
+              <a:shade val="50000"/>
+            </a:schemeClr>
+          </a:lnRef>
+          <a:fillRef idx="1">
+            <a:schemeClr val="accent1"/>
+          </a:fillRef>
+          <a:effectRef idx="0">
+            <a:schemeClr val="accent1"/>
+          </a:effectRef>
+          <a:fontRef idx="minor">
+            <a:schemeClr val="lt1"/>
+          </a:fontRef>
+        </p:style>
+        <p:txBody>
+          <a:bodyPr tIns="36000"/>
+          <a:lstStyle/>
+          <a:p>
+            <a:r>
+              <a:rPr kumimoji="0" lang="en-GB" sz="3200" b="0" i="0" u="none" strike="noStrike" kern="1200" cap="none" spc="0" normalizeH="0" baseline="-9000" noProof="0" dirty="0">
+                <a:ln>
+                  <a:noFill/>
+                </a:ln>
+                <a:solidFill>
+                  <a:srgbClr val="424242">
+                    <a:lumMod val="40000"/>
+                    <a:lumOff val="60000"/>
+                  </a:srgbClr>
+                </a:solidFill>
+                <a:effectLst>
+                  <a:glow>
+                    <a:srgbClr val="000000"/>
+                  </a:glow>
+                </a:effectLst>
+                <a:uLnTx/>
+                <a:uFillTx/>
+                <a:latin typeface="Amazon Ember Display"/>
+                <a:ea typeface="+mn-ea"/>
+                <a:cs typeface="+mn-cs"/>
+              </a:rPr>
+              <a:t>🧑‍💻</a:t>
+            </a:r>
+            <a:r>
+              <a:rPr lang="en-GB" sz="2000" dirty="0">
+                <a:solidFill>
+                  <a:schemeClr val="bg2">
+                    <a:lumMod val="40000"/>
+                    <a:lumOff val="60000"/>
+                  </a:schemeClr>
+                </a:solidFill>
+                <a:effectLst>
+                  <a:glow>
+                    <a:schemeClr val="bg1"/>
+                  </a:glow>
+                </a:effectLst>
+              </a:rPr>
+              <a:t> </a:t>
+            </a:r>
+            <a:r>
+              <a:rPr lang="en-GB" sz="2400" dirty="0">
+                <a:solidFill>
+                  <a:schemeClr val="tx1"/>
+                </a:solidFill>
+                <a:latin typeface="+mj-lt"/>
+                <a:cs typeface="Arial" panose="020B0604020202020204" pitchFamily="34" charset="0"/>
+              </a:rPr>
+              <a:t>Hosted</a:t>
+            </a:r>
+          </a:p>
+        </p:txBody>
+      </p:sp>
+      <p:sp>
+        <p:nvSpPr>
+          <p:cNvPr id="2" name="TextBox 1">
+            <a:extLst>
+              <a:ext uri="{FF2B5EF4-FFF2-40B4-BE49-F238E27FC236}">
+                <a16:creationId xmlns:a16="http://schemas.microsoft.com/office/drawing/2014/main" id="{7F2A49A4-26B0-A1A1-0109-7F36BAE39D47}"/>
+              </a:ext>
+            </a:extLst>
+          </p:cNvPr>
+          <p:cNvSpPr txBox="1"/>
+          <p:nvPr/>
+        </p:nvSpPr>
+        <p:spPr>
+          <a:xfrm>
+            <a:off x="147264" y="6233934"/>
+            <a:ext cx="1367362" cy="523220"/>
+          </a:xfrm>
+          <a:prstGeom prst="rect">
+            <a:avLst/>
+          </a:prstGeom>
+          <a:noFill/>
+        </p:spPr>
+        <p:txBody>
+          <a:bodyPr wrap="none" lIns="0" rIns="0" rtlCol="0">
+            <a:spAutoFit/>
+          </a:bodyPr>
+          <a:lstStyle/>
+          <a:p>
+            <a:pPr algn="l"/>
+            <a:r>
+              <a:rPr lang="en-GB" sz="2800" dirty="0">
+                <a:solidFill>
+                  <a:srgbClr val="FFFF00"/>
+                </a:solidFill>
+              </a:rPr>
+              <a:t>HOSTER</a:t>
+            </a:r>
+          </a:p>
+        </p:txBody>
+      </p:sp>
+      <p:sp>
+        <p:nvSpPr>
+          <p:cNvPr id="3" name="Rectangle 2">
+            <a:extLst>
+              <a:ext uri="{FF2B5EF4-FFF2-40B4-BE49-F238E27FC236}">
+                <a16:creationId xmlns:a16="http://schemas.microsoft.com/office/drawing/2014/main" id="{1EC426EC-AA4F-4D0A-9BD6-DB1ED23CBBB3}"/>
+              </a:ext>
+            </a:extLst>
+          </p:cNvPr>
+          <p:cNvSpPr/>
+          <p:nvPr/>
+        </p:nvSpPr>
+        <p:spPr>
+          <a:xfrm>
+            <a:off x="5314538" y="889686"/>
+            <a:ext cx="2239200" cy="1783940"/>
+          </a:xfrm>
+          <a:prstGeom prst="rect">
+            <a:avLst/>
+          </a:prstGeom>
+          <a:noFill/>
+          <a:ln w="12700">
+            <a:solidFill>
+              <a:srgbClr val="5A6B86"/>
+            </a:solidFill>
+            <a:prstDash val="dash"/>
+          </a:ln>
+        </p:spPr>
+        <p:style>
+          <a:lnRef idx="2">
+            <a:schemeClr val="accent1">
+              <a:shade val="50000"/>
+            </a:schemeClr>
+          </a:lnRef>
+          <a:fillRef idx="1">
+            <a:schemeClr val="accent1"/>
+          </a:fillRef>
+          <a:effectRef idx="0">
+            <a:schemeClr val="accent1"/>
+          </a:effectRef>
+          <a:fontRef idx="minor">
+            <a:schemeClr val="lt1"/>
+          </a:fontRef>
+        </p:style>
+        <p:txBody>
+          <a:bodyPr tIns="36000"/>
+          <a:lstStyle/>
+          <a:p>
+            <a:r>
+              <a:rPr lang="en-GB" sz="3200" baseline="-9000" dirty="0">
+                <a:solidFill>
+                  <a:srgbClr val="424242">
+                    <a:lumMod val="40000"/>
+                    <a:lumOff val="60000"/>
+                  </a:srgbClr>
+                </a:solidFill>
+                <a:effectLst>
+                  <a:glow>
+                    <a:srgbClr val="000000"/>
+                  </a:glow>
+                </a:effectLst>
+                <a:latin typeface="Amazon Ember Display"/>
+              </a:rPr>
+              <a:t>☁️</a:t>
+            </a:r>
+            <a:r>
+              <a:rPr lang="en-GB" sz="2000" dirty="0">
+                <a:solidFill>
+                  <a:schemeClr val="bg2">
+                    <a:lumMod val="40000"/>
+                    <a:lumOff val="60000"/>
+                  </a:schemeClr>
+                </a:solidFill>
+                <a:effectLst>
+                  <a:glow>
+                    <a:schemeClr val="bg1"/>
+                  </a:glow>
+                </a:effectLst>
+              </a:rPr>
+              <a:t> </a:t>
+            </a:r>
+            <a:r>
+              <a:rPr lang="en-GB" sz="2400" dirty="0">
+                <a:solidFill>
+                  <a:schemeClr val="tx1"/>
+                </a:solidFill>
+                <a:latin typeface="+mj-lt"/>
+                <a:cs typeface="Arial" panose="020B0604020202020204" pitchFamily="34" charset="0"/>
+              </a:rPr>
+              <a:t>Hoster</a:t>
+            </a:r>
+          </a:p>
+        </p:txBody>
+      </p:sp>
+      <p:sp>
+        <p:nvSpPr>
+          <p:cNvPr id="4" name="Rectangle 3">
+            <a:extLst>
+              <a:ext uri="{FF2B5EF4-FFF2-40B4-BE49-F238E27FC236}">
+                <a16:creationId xmlns:a16="http://schemas.microsoft.com/office/drawing/2014/main" id="{BD9FDDB2-FC1F-264F-CD20-ECBC9709671D}"/>
+              </a:ext>
+            </a:extLst>
+          </p:cNvPr>
+          <p:cNvSpPr/>
+          <p:nvPr/>
+        </p:nvSpPr>
+        <p:spPr>
+          <a:xfrm>
+            <a:off x="5396743" y="1375899"/>
             <a:ext cx="2067543" cy="562183"/>
           </a:xfrm>
           <a:prstGeom prst="rect">
@@ -2945,7 +3601,90 @@
           <a:lstStyle/>
           <a:p>
             <a:r>
-              <a:rPr lang="en-GB" sz="3200" baseline="-9000">
+              <a:rPr lang="en-GB" sz="3200" baseline="-9000" dirty="0">
+                <a:solidFill>
+                  <a:schemeClr val="bg2">
+                    <a:lumMod val="40000"/>
+                    <a:lumOff val="60000"/>
+                  </a:schemeClr>
+                </a:solidFill>
+                <a:effectLst>
+                  <a:glow>
+                    <a:schemeClr val="bg1"/>
+                  </a:glow>
+                </a:effectLst>
+              </a:rPr>
+              <a:t>🗃️ </a:t>
+            </a:r>
+            <a:r>
+              <a:rPr lang="en-GB" sz="2400" dirty="0">
+                <a:solidFill>
+                  <a:sysClr val="windowText" lastClr="000000"/>
+                </a:solidFill>
+                <a:latin typeface="+mj-lt"/>
+                <a:cs typeface="Arial" panose="020B0604020202020204" pitchFamily="34" charset="0"/>
+              </a:rPr>
+              <a:t>Resourcer</a:t>
+            </a:r>
+          </a:p>
+        </p:txBody>
+      </p:sp>
+      <p:sp>
+        <p:nvSpPr>
+          <p:cNvPr id="5" name="Rectangle 4">
+            <a:extLst>
+              <a:ext uri="{FF2B5EF4-FFF2-40B4-BE49-F238E27FC236}">
+                <a16:creationId xmlns:a16="http://schemas.microsoft.com/office/drawing/2014/main" id="{D4BFB28E-BB42-EC36-13A8-78A1EAA58C8B}"/>
+              </a:ext>
+            </a:extLst>
+          </p:cNvPr>
+          <p:cNvSpPr/>
+          <p:nvPr/>
+        </p:nvSpPr>
+        <p:spPr>
+          <a:xfrm>
+            <a:off x="8509235" y="1375899"/>
+            <a:ext cx="2645835" cy="562183"/>
+          </a:xfrm>
+          <a:prstGeom prst="rect">
+            <a:avLst/>
+          </a:prstGeom>
+          <a:solidFill>
+            <a:schemeClr val="tx1">
+              <a:lumMod val="95000"/>
+            </a:schemeClr>
+          </a:solidFill>
+          <a:ln w="28575">
+            <a:solidFill>
+              <a:schemeClr val="tx1">
+                <a:lumMod val="50000"/>
+              </a:schemeClr>
+            </a:solidFill>
+            <a:prstDash val="solid"/>
+          </a:ln>
+        </p:spPr>
+        <p:style>
+          <a:lnRef idx="2">
+            <a:schemeClr val="accent1">
+              <a:shade val="50000"/>
+            </a:schemeClr>
+          </a:lnRef>
+          <a:fillRef idx="1">
+            <a:schemeClr val="accent1"/>
+          </a:fillRef>
+          <a:effectRef idx="0">
+            <a:schemeClr val="accent1"/>
+          </a:effectRef>
+          <a:fontRef idx="minor">
+            <a:schemeClr val="lt1"/>
+          </a:fontRef>
+        </p:style>
+        <p:txBody>
+          <a:bodyPr lIns="144000" tIns="144000" rIns="36000" bIns="144000" anchor="ctr"/>
+          <a:lstStyle/>
+          <a:p>
+            <a:r>
+              <a:rPr lang="en-GB" sz="3200" baseline="-9000" dirty="0">
                 <a:solidFill>
                   <a:schemeClr val="bg2">
                     <a:lumMod val="40000"/>
@@ -2961,14 +3700,734 @@
               <a:t>🔃 </a:t>
             </a:r>
             <a:r>
-              <a:rPr lang="en-GB" sz="2400">
+              <a:rPr lang="en-GB" sz="2400" dirty="0">
                 <a:solidFill>
                   <a:sysClr val="windowText" lastClr="000000"/>
                 </a:solidFill>
                 <a:latin typeface="+mj-lt"/>
                 <a:cs typeface="Arial" panose="020B0604020202020204" pitchFamily="34" charset="0"/>
               </a:rPr>
-              <a:t>Files</a:t>
+              <a:t>Syncer</a:t>
+            </a:r>
+          </a:p>
+        </p:txBody>
+      </p:sp>
+      <p:cxnSp>
+        <p:nvCxnSpPr>
+          <p:cNvPr id="6" name="Straight Arrow Connector 12">
+            <a:extLst>
+              <a:ext uri="{FF2B5EF4-FFF2-40B4-BE49-F238E27FC236}">
+                <a16:creationId xmlns:a16="http://schemas.microsoft.com/office/drawing/2014/main" id="{8316A8F5-74FF-49F6-9FCC-BA0B0B766267}"/>
+              </a:ext>
+            </a:extLst>
+          </p:cNvPr>
+          <p:cNvCxnSpPr>
+            <a:cxnSpLocks/>
+            <a:stCxn id="5" idx="1"/>
+            <a:endCxn id="4" idx="3"/>
+          </p:cNvCxnSpPr>
+          <p:nvPr/>
+        </p:nvCxnSpPr>
+        <p:spPr>
+          <a:xfrm flipH="1">
+            <a:off x="7464286" y="1656991"/>
+            <a:ext cx="1044949" cy="0"/>
+          </a:xfrm>
+          <a:prstGeom prst="straightConnector1">
+            <a:avLst/>
+          </a:prstGeom>
+          <a:ln>
+            <a:solidFill>
+              <a:schemeClr val="tx1"/>
+            </a:solidFill>
+            <a:tailEnd type="triangle" w="lg" len="lg"/>
+          </a:ln>
+        </p:spPr>
+        <p:style>
+          <a:lnRef idx="3">
+            <a:schemeClr val="accent2"/>
+          </a:lnRef>
+          <a:fillRef idx="0">
+            <a:schemeClr val="accent2"/>
+          </a:fillRef>
+          <a:effectRef idx="2">
+            <a:schemeClr val="accent2"/>
+          </a:effectRef>
+          <a:fontRef idx="minor">
+            <a:schemeClr val="tx1"/>
+          </a:fontRef>
+        </p:style>
+      </p:cxnSp>
+      <p:sp>
+        <p:nvSpPr>
+          <p:cNvPr id="10" name="Rectangle 9">
+            <a:extLst>
+              <a:ext uri="{FF2B5EF4-FFF2-40B4-BE49-F238E27FC236}">
+                <a16:creationId xmlns:a16="http://schemas.microsoft.com/office/drawing/2014/main" id="{7BB31E5F-D0EE-70D3-0A78-C273F180F413}"/>
+              </a:ext>
+            </a:extLst>
+          </p:cNvPr>
+          <p:cNvSpPr/>
+          <p:nvPr/>
+        </p:nvSpPr>
+        <p:spPr>
+          <a:xfrm>
+            <a:off x="5399624" y="2037524"/>
+            <a:ext cx="2067543" cy="562183"/>
+          </a:xfrm>
+          <a:prstGeom prst="rect">
+            <a:avLst/>
+          </a:prstGeom>
+          <a:solidFill>
+            <a:schemeClr val="tx1">
+              <a:lumMod val="95000"/>
+            </a:schemeClr>
+          </a:solidFill>
+          <a:ln w="28575">
+            <a:solidFill>
+              <a:schemeClr val="tx1">
+                <a:lumMod val="50000"/>
+              </a:schemeClr>
+            </a:solidFill>
+            <a:prstDash val="solid"/>
+          </a:ln>
+        </p:spPr>
+        <p:style>
+          <a:lnRef idx="2">
+            <a:schemeClr val="accent1">
+              <a:shade val="50000"/>
+            </a:schemeClr>
+          </a:lnRef>
+          <a:fillRef idx="1">
+            <a:schemeClr val="accent1"/>
+          </a:fillRef>
+          <a:effectRef idx="0">
+            <a:schemeClr val="accent1"/>
+          </a:effectRef>
+          <a:fontRef idx="minor">
+            <a:schemeClr val="lt1"/>
+          </a:fontRef>
+        </p:style>
+        <p:txBody>
+          <a:bodyPr lIns="144000" tIns="144000" rIns="36000" bIns="144000" anchor="ctr"/>
+          <a:lstStyle/>
+          <a:p>
+            <a:r>
+              <a:rPr lang="en-GB" sz="3200" baseline="-9000" dirty="0">
+                <a:solidFill>
+                  <a:schemeClr val="bg2">
+                    <a:lumMod val="40000"/>
+                    <a:lumOff val="60000"/>
+                  </a:schemeClr>
+                </a:solidFill>
+                <a:effectLst>
+                  <a:glow>
+                    <a:schemeClr val="bg1"/>
+                  </a:glow>
+                </a:effectLst>
+              </a:rPr>
+              <a:t>😃 </a:t>
+            </a:r>
+            <a:r>
+              <a:rPr lang="en-GB" sz="2400" dirty="0">
+                <a:solidFill>
+                  <a:sysClr val="windowText" lastClr="000000"/>
+                </a:solidFill>
+                <a:latin typeface="+mj-lt"/>
+                <a:cs typeface="Arial" panose="020B0604020202020204" pitchFamily="34" charset="0"/>
+              </a:rPr>
+              <a:t>Talker</a:t>
+            </a:r>
+          </a:p>
+        </p:txBody>
+      </p:sp>
+      <p:sp>
+        <p:nvSpPr>
+          <p:cNvPr id="18" name="Rectangle 17">
+            <a:extLst>
+              <a:ext uri="{FF2B5EF4-FFF2-40B4-BE49-F238E27FC236}">
+                <a16:creationId xmlns:a16="http://schemas.microsoft.com/office/drawing/2014/main" id="{86014665-692F-A3BB-613F-DBDD332734B8}"/>
+              </a:ext>
+            </a:extLst>
+          </p:cNvPr>
+          <p:cNvSpPr/>
+          <p:nvPr/>
+        </p:nvSpPr>
+        <p:spPr>
+          <a:xfrm>
+            <a:off x="8509236" y="2034034"/>
+            <a:ext cx="2645834" cy="562183"/>
+          </a:xfrm>
+          <a:prstGeom prst="rect">
+            <a:avLst/>
+          </a:prstGeom>
+          <a:solidFill>
+            <a:schemeClr val="tx1">
+              <a:lumMod val="95000"/>
+            </a:schemeClr>
+          </a:solidFill>
+          <a:ln w="28575">
+            <a:solidFill>
+              <a:schemeClr val="tx1">
+                <a:lumMod val="50000"/>
+              </a:schemeClr>
+            </a:solidFill>
+            <a:prstDash val="solid"/>
+          </a:ln>
+        </p:spPr>
+        <p:style>
+          <a:lnRef idx="2">
+            <a:schemeClr val="accent1">
+              <a:shade val="50000"/>
+            </a:schemeClr>
+          </a:lnRef>
+          <a:fillRef idx="1">
+            <a:schemeClr val="accent1"/>
+          </a:fillRef>
+          <a:effectRef idx="0">
+            <a:schemeClr val="accent1"/>
+          </a:effectRef>
+          <a:fontRef idx="minor">
+            <a:schemeClr val="lt1"/>
+          </a:fontRef>
+        </p:style>
+        <p:txBody>
+          <a:bodyPr lIns="144000" tIns="144000" rIns="36000" bIns="144000" anchor="ctr"/>
+          <a:lstStyle/>
+          <a:p>
+            <a:r>
+              <a:rPr lang="en-GB" sz="3200" baseline="-9000" dirty="0">
+                <a:solidFill>
+                  <a:schemeClr val="bg2">
+                    <a:lumMod val="40000"/>
+                    <a:lumOff val="60000"/>
+                  </a:schemeClr>
+                </a:solidFill>
+                <a:effectLst>
+                  <a:glow>
+                    <a:schemeClr val="bg1"/>
+                  </a:glow>
+                </a:effectLst>
+              </a:rPr>
+              <a:t>🌐</a:t>
+            </a:r>
+            <a:r>
+              <a:rPr lang="en-GB" sz="2400" baseline="-9000" dirty="0">
+                <a:solidFill>
+                  <a:schemeClr val="bg2">
+                    <a:lumMod val="40000"/>
+                    <a:lumOff val="60000"/>
+                  </a:schemeClr>
+                </a:solidFill>
+                <a:effectLst>
+                  <a:glow>
+                    <a:schemeClr val="bg1"/>
+                  </a:glow>
+                </a:effectLst>
+              </a:rPr>
+              <a:t> </a:t>
+            </a:r>
+            <a:r>
+              <a:rPr lang="en-GB" sz="2400" dirty="0">
+                <a:solidFill>
+                  <a:sysClr val="windowText" lastClr="000000"/>
+                </a:solidFill>
+                <a:latin typeface="+mj-lt"/>
+                <a:cs typeface="Arial" panose="020B0604020202020204" pitchFamily="34" charset="0"/>
+              </a:rPr>
+              <a:t>Web server</a:t>
+            </a:r>
+          </a:p>
+        </p:txBody>
+      </p:sp>
+      <p:cxnSp>
+        <p:nvCxnSpPr>
+          <p:cNvPr id="37" name="Straight Arrow Connector 12">
+            <a:extLst>
+              <a:ext uri="{FF2B5EF4-FFF2-40B4-BE49-F238E27FC236}">
+                <a16:creationId xmlns:a16="http://schemas.microsoft.com/office/drawing/2014/main" id="{F8B105CA-9025-C2AF-1579-001A626D4170}"/>
+              </a:ext>
+            </a:extLst>
+          </p:cNvPr>
+          <p:cNvCxnSpPr>
+            <a:cxnSpLocks/>
+            <a:stCxn id="18" idx="1"/>
+            <a:endCxn id="10" idx="3"/>
+          </p:cNvCxnSpPr>
+          <p:nvPr/>
+        </p:nvCxnSpPr>
+        <p:spPr>
+          <a:xfrm flipH="1">
+            <a:off x="7467167" y="2315126"/>
+            <a:ext cx="1042069" cy="3490"/>
+          </a:xfrm>
+          <a:prstGeom prst="straightConnector1">
+            <a:avLst/>
+          </a:prstGeom>
+          <a:ln>
+            <a:solidFill>
+              <a:schemeClr val="tx1"/>
+            </a:solidFill>
+            <a:tailEnd type="triangle" w="lg" len="lg"/>
+          </a:ln>
+        </p:spPr>
+        <p:style>
+          <a:lnRef idx="3">
+            <a:schemeClr val="accent2"/>
+          </a:lnRef>
+          <a:fillRef idx="0">
+            <a:schemeClr val="accent2"/>
+          </a:fillRef>
+          <a:effectRef idx="2">
+            <a:schemeClr val="accent2"/>
+          </a:effectRef>
+          <a:fontRef idx="minor">
+            <a:schemeClr val="tx1"/>
+          </a:fontRef>
+        </p:style>
+      </p:cxnSp>
+      <p:grpSp>
+        <p:nvGrpSpPr>
+          <p:cNvPr id="46" name="Group 45">
+            <a:extLst>
+              <a:ext uri="{FF2B5EF4-FFF2-40B4-BE49-F238E27FC236}">
+                <a16:creationId xmlns:a16="http://schemas.microsoft.com/office/drawing/2014/main" id="{46A09D6B-189B-7031-AE54-711A59DC87D1}"/>
+              </a:ext>
+            </a:extLst>
+          </p:cNvPr>
+          <p:cNvGrpSpPr/>
+          <p:nvPr/>
+        </p:nvGrpSpPr>
+        <p:grpSpPr>
+          <a:xfrm>
+            <a:off x="697614" y="734959"/>
+            <a:ext cx="3256158" cy="1014729"/>
+            <a:chOff x="6236557" y="968452"/>
+            <a:chExt cx="3256158" cy="1014729"/>
+          </a:xfrm>
+        </p:grpSpPr>
+        <p:sp>
+          <p:nvSpPr>
+            <p:cNvPr id="47" name="Rectangle 46">
+              <a:extLst>
+                <a:ext uri="{FF2B5EF4-FFF2-40B4-BE49-F238E27FC236}">
+                  <a16:creationId xmlns:a16="http://schemas.microsoft.com/office/drawing/2014/main" id="{8A89F9B7-216C-B04A-6B0B-20C3C35017FC}"/>
+                </a:ext>
+              </a:extLst>
+            </p:cNvPr>
+            <p:cNvSpPr/>
+            <p:nvPr/>
+          </p:nvSpPr>
+          <p:spPr>
+            <a:xfrm>
+              <a:off x="6298923" y="1351846"/>
+              <a:ext cx="3111956" cy="562183"/>
+            </a:xfrm>
+            <a:prstGeom prst="rect">
+              <a:avLst/>
+            </a:prstGeom>
+            <a:solidFill>
+              <a:schemeClr val="tx1"/>
+            </a:solidFill>
+            <a:ln w="28575">
+              <a:solidFill>
+                <a:schemeClr val="tx1">
+                  <a:lumMod val="50000"/>
+                </a:schemeClr>
+              </a:solidFill>
+              <a:prstDash val="solid"/>
+            </a:ln>
+          </p:spPr>
+          <p:style>
+            <a:lnRef idx="2">
+              <a:schemeClr val="accent1">
+                <a:shade val="50000"/>
+              </a:schemeClr>
+            </a:lnRef>
+            <a:fillRef idx="1">
+              <a:schemeClr val="accent1"/>
+            </a:fillRef>
+            <a:effectRef idx="0">
+              <a:schemeClr val="accent1"/>
+            </a:effectRef>
+            <a:fontRef idx="minor">
+              <a:schemeClr val="lt1"/>
+            </a:fontRef>
+          </p:style>
+          <p:txBody>
+            <a:bodyPr lIns="144000" tIns="144000" rIns="144000" bIns="144000" anchor="ctr"/>
+            <a:lstStyle/>
+            <a:p>
+              <a:r>
+                <a:rPr lang="en-GB" sz="3200" baseline="-9000" dirty="0">
+                  <a:solidFill>
+                    <a:schemeClr val="bg1"/>
+                  </a:solidFill>
+                  <a:effectLst>
+                    <a:glow>
+                      <a:schemeClr val="bg1"/>
+                    </a:glow>
+                  </a:effectLst>
+                </a:rPr>
+                <a:t>🗄️</a:t>
+              </a:r>
+              <a:r>
+                <a:rPr lang="en-GB" sz="2400" dirty="0">
+                  <a:solidFill>
+                    <a:schemeClr val="bg1"/>
+                  </a:solidFill>
+                  <a:latin typeface="+mj-lt"/>
+                  <a:cs typeface="Arial" panose="020B0604020202020204" pitchFamily="34" charset="0"/>
+                </a:rPr>
+                <a:t> Vaults</a:t>
+              </a:r>
+            </a:p>
+          </p:txBody>
+        </p:sp>
+        <p:sp>
+          <p:nvSpPr>
+            <p:cNvPr id="48" name="Rectangle 47">
+              <a:extLst>
+                <a:ext uri="{FF2B5EF4-FFF2-40B4-BE49-F238E27FC236}">
+                  <a16:creationId xmlns:a16="http://schemas.microsoft.com/office/drawing/2014/main" id="{E861DF44-1DDA-5587-70DB-2D970073B950}"/>
+                </a:ext>
+              </a:extLst>
+            </p:cNvPr>
+            <p:cNvSpPr/>
+            <p:nvPr/>
+          </p:nvSpPr>
+          <p:spPr>
+            <a:xfrm>
+              <a:off x="6236557" y="968452"/>
+              <a:ext cx="3256158" cy="1014729"/>
+            </a:xfrm>
+            <a:prstGeom prst="rect">
+              <a:avLst/>
+            </a:prstGeom>
+            <a:noFill/>
+            <a:ln w="12700">
+              <a:solidFill>
+                <a:srgbClr val="5A6B86"/>
+              </a:solidFill>
+              <a:prstDash val="dash"/>
+            </a:ln>
+          </p:spPr>
+          <p:style>
+            <a:lnRef idx="2">
+              <a:schemeClr val="accent1">
+                <a:shade val="50000"/>
+              </a:schemeClr>
+            </a:lnRef>
+            <a:fillRef idx="1">
+              <a:schemeClr val="accent1"/>
+            </a:fillRef>
+            <a:effectRef idx="0">
+              <a:schemeClr val="accent1"/>
+            </a:effectRef>
+            <a:fontRef idx="minor">
+              <a:schemeClr val="lt1"/>
+            </a:fontRef>
+          </p:style>
+          <p:txBody>
+            <a:bodyPr tIns="36000"/>
+            <a:lstStyle/>
+            <a:p>
+              <a:pPr eaLnBrk="1" fontAlgn="auto" hangingPunct="1">
+                <a:spcBef>
+                  <a:spcPts val="0"/>
+                </a:spcBef>
+                <a:spcAft>
+                  <a:spcPts val="0"/>
+                </a:spcAft>
+                <a:defRPr/>
+              </a:pPr>
+              <a:r>
+                <a:rPr lang="en-GB" sz="2000" dirty="0">
+                  <a:solidFill>
+                    <a:schemeClr val="bg2">
+                      <a:lumMod val="40000"/>
+                      <a:lumOff val="60000"/>
+                    </a:schemeClr>
+                  </a:solidFill>
+                  <a:effectLst>
+                    <a:glow>
+                      <a:schemeClr val="bg1"/>
+                    </a:glow>
+                  </a:effectLst>
+                </a:rPr>
+                <a:t>👥</a:t>
+              </a:r>
+              <a:r>
+                <a:rPr lang="en-GB" sz="2000" i="1" dirty="0">
+                  <a:solidFill>
+                    <a:schemeClr val="bg2">
+                      <a:lumMod val="40000"/>
+                      <a:lumOff val="60000"/>
+                    </a:schemeClr>
+                  </a:solidFill>
+                  <a:effectLst>
+                    <a:glow>
+                      <a:schemeClr val="bg1"/>
+                    </a:glow>
+                  </a:effectLst>
+                </a:rPr>
+                <a:t> </a:t>
+              </a:r>
+              <a:r>
+                <a:rPr lang="en-US" sz="2000" i="1">
+                  <a:solidFill>
+                    <a:schemeClr val="bg2">
+                      <a:lumMod val="40000"/>
+                      <a:lumOff val="60000"/>
+                    </a:schemeClr>
+                  </a:solidFill>
+                  <a:effectLst>
+                    <a:glow>
+                      <a:schemeClr val="bg1"/>
+                    </a:glow>
+                  </a:effectLst>
+                </a:rPr>
+                <a:t>Domain</a:t>
+              </a:r>
+              <a:endParaRPr lang="en-US" sz="2000" i="1" dirty="0">
+                <a:solidFill>
+                  <a:schemeClr val="bg2">
+                    <a:lumMod val="40000"/>
+                    <a:lumOff val="60000"/>
+                  </a:schemeClr>
+                </a:solidFill>
+                <a:effectLst>
+                  <a:glow>
+                    <a:schemeClr val="bg1"/>
+                  </a:glow>
+                </a:effectLst>
+              </a:endParaRPr>
+            </a:p>
+          </p:txBody>
+        </p:sp>
+      </p:grpSp>
+      <p:sp>
+        <p:nvSpPr>
+          <p:cNvPr id="52" name="Rectangle 51">
+            <a:extLst>
+              <a:ext uri="{FF2B5EF4-FFF2-40B4-BE49-F238E27FC236}">
+                <a16:creationId xmlns:a16="http://schemas.microsoft.com/office/drawing/2014/main" id="{09B9D25F-5B53-1A37-E8B0-AF7D3682FBEA}"/>
+              </a:ext>
+            </a:extLst>
+          </p:cNvPr>
+          <p:cNvSpPr/>
+          <p:nvPr/>
+        </p:nvSpPr>
+        <p:spPr>
+          <a:xfrm>
+            <a:off x="697614" y="3192036"/>
+            <a:ext cx="3256158" cy="1388904"/>
+          </a:xfrm>
+          <a:prstGeom prst="rect">
+            <a:avLst/>
+          </a:prstGeom>
+          <a:noFill/>
+          <a:ln w="12700">
+            <a:solidFill>
+              <a:srgbClr val="5A6B86"/>
+            </a:solidFill>
+            <a:prstDash val="dash"/>
+          </a:ln>
+        </p:spPr>
+        <p:style>
+          <a:lnRef idx="2">
+            <a:schemeClr val="accent1">
+              <a:shade val="50000"/>
+            </a:schemeClr>
+          </a:lnRef>
+          <a:fillRef idx="1">
+            <a:schemeClr val="accent1"/>
+          </a:fillRef>
+          <a:effectRef idx="0">
+            <a:schemeClr val="accent1"/>
+          </a:effectRef>
+          <a:fontRef idx="minor">
+            <a:schemeClr val="lt1"/>
+          </a:fontRef>
+        </p:style>
+        <p:txBody>
+          <a:bodyPr tIns="36000"/>
+          <a:lstStyle/>
+          <a:p>
+            <a:endParaRPr lang="en-GB" sz="2000" dirty="0">
+              <a:solidFill>
+                <a:schemeClr val="bg2">
+                  <a:lumMod val="40000"/>
+                  <a:lumOff val="60000"/>
+                </a:schemeClr>
+              </a:solidFill>
+              <a:effectLst>
+                <a:glow>
+                  <a:schemeClr val="bg1"/>
+                </a:glow>
+              </a:effectLst>
+            </a:endParaRPr>
+          </a:p>
+        </p:txBody>
+      </p:sp>
+      <p:sp>
+        <p:nvSpPr>
+          <p:cNvPr id="53" name="Rectangle 52">
+            <a:extLst>
+              <a:ext uri="{FF2B5EF4-FFF2-40B4-BE49-F238E27FC236}">
+                <a16:creationId xmlns:a16="http://schemas.microsoft.com/office/drawing/2014/main" id="{C979445D-7001-F99A-DA51-93145E709DD5}"/>
+              </a:ext>
+            </a:extLst>
+          </p:cNvPr>
+          <p:cNvSpPr/>
+          <p:nvPr/>
+        </p:nvSpPr>
+        <p:spPr>
+          <a:xfrm>
+            <a:off x="759980" y="3947511"/>
+            <a:ext cx="3111955" cy="562183"/>
+          </a:xfrm>
+          <a:prstGeom prst="rect">
+            <a:avLst/>
+          </a:prstGeom>
+          <a:solidFill>
+            <a:schemeClr val="tx1">
+              <a:lumMod val="95000"/>
+            </a:schemeClr>
+          </a:solidFill>
+          <a:ln w="28575">
+            <a:solidFill>
+              <a:schemeClr val="tx1">
+                <a:lumMod val="50000"/>
+              </a:schemeClr>
+            </a:solidFill>
+            <a:prstDash val="solid"/>
+          </a:ln>
+        </p:spPr>
+        <p:style>
+          <a:lnRef idx="2">
+            <a:schemeClr val="accent1">
+              <a:shade val="50000"/>
+            </a:schemeClr>
+          </a:lnRef>
+          <a:fillRef idx="1">
+            <a:schemeClr val="accent1"/>
+          </a:fillRef>
+          <a:effectRef idx="0">
+            <a:schemeClr val="accent1"/>
+          </a:effectRef>
+          <a:fontRef idx="minor">
+            <a:schemeClr val="lt1"/>
+          </a:fontRef>
+        </p:style>
+        <p:txBody>
+          <a:bodyPr lIns="144000" tIns="144000" rIns="144000" bIns="144000" anchor="ctr"/>
+          <a:lstStyle/>
+          <a:p>
+            <a:pPr>
+              <a:defRPr/>
+            </a:pPr>
+            <a:r>
+              <a:rPr lang="en-GB" sz="3200" baseline="-9000" dirty="0">
+                <a:solidFill>
+                  <a:schemeClr val="bg2">
+                    <a:lumMod val="40000"/>
+                    <a:lumOff val="60000"/>
+                  </a:schemeClr>
+                </a:solidFill>
+                <a:effectLst>
+                  <a:glow>
+                    <a:schemeClr val="bg1"/>
+                  </a:glow>
+                </a:effectLst>
+              </a:rPr>
+              <a:t>🧑‍🦰</a:t>
+            </a:r>
+            <a:r>
+              <a:rPr lang="en-GB" sz="2400" dirty="0">
+                <a:solidFill>
+                  <a:sysClr val="windowText" lastClr="000000"/>
+                </a:solidFill>
+                <a:latin typeface="+mj-lt"/>
+                <a:cs typeface="Arial" panose="020B0604020202020204" pitchFamily="34" charset="0"/>
+              </a:rPr>
+              <a:t> Wallet: App</a:t>
+            </a:r>
+          </a:p>
+        </p:txBody>
+      </p:sp>
+      <p:sp>
+        <p:nvSpPr>
+          <p:cNvPr id="54" name="Rectangle 53">
+            <a:extLst>
+              <a:ext uri="{FF2B5EF4-FFF2-40B4-BE49-F238E27FC236}">
+                <a16:creationId xmlns:a16="http://schemas.microsoft.com/office/drawing/2014/main" id="{F97A9694-D1B2-01CB-3BCE-F26E995CE03C}"/>
+              </a:ext>
+            </a:extLst>
+          </p:cNvPr>
+          <p:cNvSpPr/>
+          <p:nvPr/>
+        </p:nvSpPr>
+        <p:spPr>
+          <a:xfrm>
+            <a:off x="3100689" y="3279920"/>
+            <a:ext cx="766998" cy="562183"/>
+          </a:xfrm>
+          <a:prstGeom prst="rect">
+            <a:avLst/>
+          </a:prstGeom>
+          <a:solidFill>
+            <a:schemeClr val="tx1">
+              <a:lumMod val="95000"/>
+            </a:schemeClr>
+          </a:solidFill>
+          <a:ln w="28575">
+            <a:solidFill>
+              <a:schemeClr val="tx1">
+                <a:lumMod val="50000"/>
+              </a:schemeClr>
+            </a:solidFill>
+            <a:prstDash val="solid"/>
+          </a:ln>
+        </p:spPr>
+        <p:style>
+          <a:lnRef idx="2">
+            <a:schemeClr val="accent1">
+              <a:shade val="50000"/>
+            </a:schemeClr>
+          </a:lnRef>
+          <a:fillRef idx="1">
+            <a:schemeClr val="accent1"/>
+          </a:fillRef>
+          <a:effectRef idx="0">
+            <a:schemeClr val="accent1"/>
+          </a:effectRef>
+          <a:fontRef idx="minor">
+            <a:schemeClr val="lt1"/>
+          </a:fontRef>
+        </p:style>
+        <p:txBody>
+          <a:bodyPr lIns="144000" tIns="144000" rIns="144000" bIns="144000" anchor="ctr"/>
+          <a:lstStyle/>
+          <a:p>
+            <a:pPr>
+              <a:defRPr/>
+            </a:pPr>
+            <a:r>
+              <a:rPr lang="en-GB" sz="3200" baseline="-9000" dirty="0">
+                <a:solidFill>
+                  <a:schemeClr val="bg2">
+                    <a:lumMod val="40000"/>
+                    <a:lumOff val="60000"/>
+                  </a:schemeClr>
+                </a:solidFill>
+                <a:effectLst>
+                  <a:glow>
+                    <a:schemeClr val="bg1"/>
+                  </a:glow>
+                </a:effectLst>
+              </a:rPr>
+              <a:t> 📣</a:t>
             </a:r>
             <a:endParaRPr lang="en-GB" sz="2400" dirty="0">
               <a:solidFill>
@@ -2980,10 +4439,325 @@
           </a:p>
         </p:txBody>
       </p:sp>
+      <p:sp>
+        <p:nvSpPr>
+          <p:cNvPr id="55" name="Rectangle 54">
+            <a:extLst>
+              <a:ext uri="{FF2B5EF4-FFF2-40B4-BE49-F238E27FC236}">
+                <a16:creationId xmlns:a16="http://schemas.microsoft.com/office/drawing/2014/main" id="{EFC559FD-EF51-5E6E-0BEB-D92BF44C1449}"/>
+              </a:ext>
+            </a:extLst>
+          </p:cNvPr>
+          <p:cNvSpPr/>
+          <p:nvPr/>
+        </p:nvSpPr>
+        <p:spPr>
+          <a:xfrm>
+            <a:off x="759980" y="3279920"/>
+            <a:ext cx="2171182" cy="562183"/>
+          </a:xfrm>
+          <a:prstGeom prst="rect">
+            <a:avLst/>
+          </a:prstGeom>
+          <a:solidFill>
+            <a:schemeClr val="tx1">
+              <a:lumMod val="95000"/>
+            </a:schemeClr>
+          </a:solidFill>
+          <a:ln w="28575">
+            <a:solidFill>
+              <a:schemeClr val="tx1">
+                <a:lumMod val="50000"/>
+              </a:schemeClr>
+            </a:solidFill>
+            <a:prstDash val="solid"/>
+          </a:ln>
+        </p:spPr>
+        <p:style>
+          <a:lnRef idx="2">
+            <a:schemeClr val="accent1">
+              <a:shade val="50000"/>
+            </a:schemeClr>
+          </a:lnRef>
+          <a:fillRef idx="1">
+            <a:schemeClr val="accent1"/>
+          </a:fillRef>
+          <a:effectRef idx="0">
+            <a:schemeClr val="accent1"/>
+          </a:effectRef>
+          <a:fontRef idx="minor">
+            <a:schemeClr val="lt1"/>
+          </a:fontRef>
+        </p:style>
+        <p:txBody>
+          <a:bodyPr lIns="144000" tIns="144000" rIns="144000" bIns="144000" anchor="ctr"/>
+          <a:lstStyle/>
+          <a:p>
+            <a:pPr>
+              <a:defRPr/>
+            </a:pPr>
+            <a:r>
+              <a:rPr lang="en-GB" sz="3200" baseline="-9000" dirty="0">
+                <a:solidFill>
+                  <a:schemeClr val="bg2">
+                    <a:lumMod val="40000"/>
+                    <a:lumOff val="60000"/>
+                  </a:schemeClr>
+                </a:solidFill>
+                <a:effectLst>
+                  <a:glow>
+                    <a:schemeClr val="bg1"/>
+                  </a:glow>
+                </a:effectLst>
+              </a:rPr>
+              <a:t>🤵</a:t>
+            </a:r>
+            <a:r>
+              <a:rPr lang="en-GB" sz="2400" dirty="0">
+                <a:solidFill>
+                  <a:sysClr val="windowText" lastClr="000000"/>
+                </a:solidFill>
+                <a:latin typeface="+mj-lt"/>
+                <a:cs typeface="Arial" panose="020B0604020202020204" pitchFamily="34" charset="0"/>
+              </a:rPr>
+              <a:t> Broker</a:t>
+            </a:r>
+          </a:p>
+        </p:txBody>
+      </p:sp>
+      <p:cxnSp>
+        <p:nvCxnSpPr>
+          <p:cNvPr id="57" name="Straight Arrow Connector 12">
+            <a:extLst>
+              <a:ext uri="{FF2B5EF4-FFF2-40B4-BE49-F238E27FC236}">
+                <a16:creationId xmlns:a16="http://schemas.microsoft.com/office/drawing/2014/main" id="{C097D127-EF29-2C14-51F6-AFD19AB06F3F}"/>
+              </a:ext>
+            </a:extLst>
+          </p:cNvPr>
+          <p:cNvCxnSpPr>
+            <a:cxnSpLocks/>
+          </p:cNvCxnSpPr>
+          <p:nvPr/>
+        </p:nvCxnSpPr>
+        <p:spPr>
+          <a:xfrm flipV="1">
+            <a:off x="1523527" y="1749688"/>
+            <a:ext cx="0" cy="1388904"/>
+          </a:xfrm>
+          <a:prstGeom prst="straightConnector1">
+            <a:avLst/>
+          </a:prstGeom>
+          <a:ln w="19050" cap="rnd">
+            <a:solidFill>
+              <a:schemeClr val="tx1">
+                <a:lumMod val="75000"/>
+              </a:schemeClr>
+            </a:solidFill>
+            <a:round/>
+            <a:headEnd type="triangle" w="lg" len="lg"/>
+            <a:tailEnd type="triangle" w="lg" len="lg"/>
+          </a:ln>
+        </p:spPr>
+        <p:style>
+          <a:lnRef idx="1">
+            <a:schemeClr val="accent1"/>
+          </a:lnRef>
+          <a:fillRef idx="0">
+            <a:schemeClr val="accent1"/>
+          </a:fillRef>
+          <a:effectRef idx="0">
+            <a:schemeClr val="accent1"/>
+          </a:effectRef>
+          <a:fontRef idx="minor">
+            <a:schemeClr val="tx1"/>
+          </a:fontRef>
+        </p:style>
+      </p:cxnSp>
+      <p:cxnSp>
+        <p:nvCxnSpPr>
+          <p:cNvPr id="60" name="Straight Arrow Connector 12">
+            <a:extLst>
+              <a:ext uri="{FF2B5EF4-FFF2-40B4-BE49-F238E27FC236}">
+                <a16:creationId xmlns:a16="http://schemas.microsoft.com/office/drawing/2014/main" id="{20FB8F6F-AB04-C9F3-7C6A-F73C08B281F9}"/>
+              </a:ext>
+            </a:extLst>
+          </p:cNvPr>
+          <p:cNvCxnSpPr>
+            <a:cxnSpLocks/>
+            <a:stCxn id="52" idx="3"/>
+            <a:endCxn id="10" idx="1"/>
+          </p:cNvCxnSpPr>
+          <p:nvPr/>
+        </p:nvCxnSpPr>
+        <p:spPr>
+          <a:xfrm flipV="1">
+            <a:off x="3953772" y="2318616"/>
+            <a:ext cx="1445852" cy="1567872"/>
+          </a:xfrm>
+          <a:prstGeom prst="bentConnector3">
+            <a:avLst>
+              <a:gd name="adj1" fmla="val 50000"/>
+            </a:avLst>
+          </a:prstGeom>
+          <a:ln>
+            <a:solidFill>
+              <a:schemeClr val="tx1"/>
+            </a:solidFill>
+            <a:headEnd type="triangle" w="lg" len="lg"/>
+            <a:tailEnd type="triangle" w="lg" len="lg"/>
+          </a:ln>
+        </p:spPr>
+        <p:style>
+          <a:lnRef idx="3">
+            <a:schemeClr val="accent2"/>
+          </a:lnRef>
+          <a:fillRef idx="0">
+            <a:schemeClr val="accent2"/>
+          </a:fillRef>
+          <a:effectRef idx="2">
+            <a:schemeClr val="accent2"/>
+          </a:effectRef>
+          <a:fontRef idx="minor">
+            <a:schemeClr val="tx1"/>
+          </a:fontRef>
+        </p:style>
+      </p:cxnSp>
+      <p:cxnSp>
+        <p:nvCxnSpPr>
+          <p:cNvPr id="64" name="Straight Arrow Connector 12">
+            <a:extLst>
+              <a:ext uri="{FF2B5EF4-FFF2-40B4-BE49-F238E27FC236}">
+                <a16:creationId xmlns:a16="http://schemas.microsoft.com/office/drawing/2014/main" id="{01797155-5147-CDD5-CF67-80D8A8019247}"/>
+              </a:ext>
+            </a:extLst>
+          </p:cNvPr>
+          <p:cNvCxnSpPr>
+            <a:cxnSpLocks/>
+            <a:stCxn id="48" idx="3"/>
+            <a:endCxn id="10" idx="1"/>
+          </p:cNvCxnSpPr>
+          <p:nvPr/>
+        </p:nvCxnSpPr>
+        <p:spPr>
+          <a:xfrm>
+            <a:off x="3953772" y="1242324"/>
+            <a:ext cx="1445852" cy="1076292"/>
+          </a:xfrm>
+          <a:prstGeom prst="bentConnector3">
+            <a:avLst>
+              <a:gd name="adj1" fmla="val 50000"/>
+            </a:avLst>
+          </a:prstGeom>
+          <a:ln>
+            <a:solidFill>
+              <a:schemeClr val="tx1"/>
+            </a:solidFill>
+            <a:headEnd type="triangle" w="lg" len="lg"/>
+            <a:tailEnd type="triangle" w="lg" len="lg"/>
+          </a:ln>
+        </p:spPr>
+        <p:style>
+          <a:lnRef idx="3">
+            <a:schemeClr val="accent2"/>
+          </a:lnRef>
+          <a:fillRef idx="0">
+            <a:schemeClr val="accent2"/>
+          </a:fillRef>
+          <a:effectRef idx="2">
+            <a:schemeClr val="accent2"/>
+          </a:effectRef>
+          <a:fontRef idx="minor">
+            <a:schemeClr val="tx1"/>
+          </a:fontRef>
+        </p:style>
+      </p:cxnSp>
+      <p:sp>
+        <p:nvSpPr>
+          <p:cNvPr id="78" name="Rectangle 77">
+            <a:extLst>
+              <a:ext uri="{FF2B5EF4-FFF2-40B4-BE49-F238E27FC236}">
+                <a16:creationId xmlns:a16="http://schemas.microsoft.com/office/drawing/2014/main" id="{0C96CFC9-028A-7E19-59F3-27176E11DBC2}"/>
+              </a:ext>
+            </a:extLst>
+          </p:cNvPr>
+          <p:cNvSpPr/>
+          <p:nvPr/>
+        </p:nvSpPr>
+        <p:spPr>
+          <a:xfrm rot="5400000">
+            <a:off x="10923197" y="1689587"/>
+            <a:ext cx="1238988" cy="562183"/>
+          </a:xfrm>
+          <a:prstGeom prst="rect">
+            <a:avLst/>
+          </a:prstGeom>
+          <a:solidFill>
+            <a:schemeClr val="tx1">
+              <a:lumMod val="95000"/>
+            </a:schemeClr>
+          </a:solidFill>
+          <a:ln w="28575">
+            <a:solidFill>
+              <a:schemeClr val="tx1">
+                <a:lumMod val="50000"/>
+              </a:schemeClr>
+            </a:solidFill>
+            <a:prstDash val="solid"/>
+          </a:ln>
+        </p:spPr>
+        <p:style>
+          <a:lnRef idx="2">
+            <a:schemeClr val="accent1">
+              <a:shade val="50000"/>
+            </a:schemeClr>
+          </a:lnRef>
+          <a:fillRef idx="1">
+            <a:schemeClr val="accent1"/>
+          </a:fillRef>
+          <a:effectRef idx="0">
+            <a:schemeClr val="accent1"/>
+          </a:effectRef>
+          <a:fontRef idx="minor">
+            <a:schemeClr val="lt1"/>
+          </a:fontRef>
+        </p:style>
+        <p:txBody>
+          <a:bodyPr lIns="144000" tIns="144000" rIns="36000" bIns="144000" anchor="ctr"/>
+          <a:lstStyle/>
+          <a:p>
+            <a:r>
+              <a:rPr lang="en-GB" sz="3200" baseline="-9000" dirty="0">
+                <a:solidFill>
+                  <a:schemeClr val="bg2">
+                    <a:lumMod val="40000"/>
+                    <a:lumOff val="60000"/>
+                  </a:schemeClr>
+                </a:solidFill>
+                <a:effectLst>
+                  <a:glow>
+                    <a:schemeClr val="bg1"/>
+                  </a:glow>
+                </a:effectLst>
+              </a:rPr>
+              <a:t>📄 </a:t>
+            </a:r>
+            <a:r>
+              <a:rPr lang="en-GB" sz="2400" dirty="0">
+                <a:solidFill>
+                  <a:sysClr val="windowText" lastClr="000000"/>
+                </a:solidFill>
+                <a:latin typeface="+mj-lt"/>
+                <a:cs typeface="Arial" panose="020B0604020202020204" pitchFamily="34" charset="0"/>
+              </a:rPr>
+              <a:t>Files</a:t>
+            </a:r>
+          </a:p>
+        </p:txBody>
+      </p:sp>
     </p:spTree>
     <p:extLst>
       <p:ext uri="{BB962C8B-B14F-4D97-AF65-F5344CB8AC3E}">
-        <p14:creationId xmlns:p14="http://schemas.microsoft.com/office/powerpoint/2010/main" val="170749970"/>
+        <p14:creationId xmlns:p14="http://schemas.microsoft.com/office/powerpoint/2010/main" val="2559825854"/>
       </p:ext>
     </p:extLst>
   </p:cSld>
